--- a/week-06/day-04/Temperature Logger.pptx
+++ b/week-06/day-04/Temperature Logger.pptx
@@ -6,9 +6,11 @@
   </p:sldMasterIdLst>
   <p:sldIdLst>
     <p:sldId id="256" r:id="rId2"/>
-    <p:sldId id="257" r:id="rId3"/>
-    <p:sldId id="259" r:id="rId4"/>
-    <p:sldId id="260" r:id="rId5"/>
+    <p:sldId id="262" r:id="rId3"/>
+    <p:sldId id="257" r:id="rId4"/>
+    <p:sldId id="259" r:id="rId5"/>
+    <p:sldId id="260" r:id="rId6"/>
+    <p:sldId id="261" r:id="rId7"/>
   </p:sldIdLst>
   <p:sldSz cx="12192000" cy="6858000"/>
   <p:notesSz cx="6858000" cy="9144000"/>
@@ -107,6 +109,11 @@
       </a:defRPr>
     </a:lvl9pPr>
   </p:defaultTextStyle>
+  <p:extLst>
+    <p:ext uri="{EFAFB233-063F-42B5-8137-9DF3F51BA10A}">
+      <p15:sldGuideLst xmlns:p15="http://schemas.microsoft.com/office/powerpoint/2012/main"/>
+    </p:ext>
+  </p:extLst>
 </p:presentation>
 </file>
 
@@ -241,7 +248,7 @@
           <a:p>
             <a:fld id="{7471F2F6-8F06-4ABD-BBEE-44C3FB83A502}" type="datetimeFigureOut">
               <a:rPr lang="hu-HU" smtClean="0"/>
-              <a:t>2017. 06. 09.</a:t>
+              <a:t>2017. 06. 14.</a:t>
             </a:fld>
             <a:endParaRPr lang="hu-HU"/>
           </a:p>
@@ -411,7 +418,7 @@
           <a:p>
             <a:fld id="{7471F2F6-8F06-4ABD-BBEE-44C3FB83A502}" type="datetimeFigureOut">
               <a:rPr lang="hu-HU" smtClean="0"/>
-              <a:t>2017. 06. 09.</a:t>
+              <a:t>2017. 06. 14.</a:t>
             </a:fld>
             <a:endParaRPr lang="hu-HU"/>
           </a:p>
@@ -591,7 +598,7 @@
           <a:p>
             <a:fld id="{7471F2F6-8F06-4ABD-BBEE-44C3FB83A502}" type="datetimeFigureOut">
               <a:rPr lang="hu-HU" smtClean="0"/>
-              <a:t>2017. 06. 09.</a:t>
+              <a:t>2017. 06. 14.</a:t>
             </a:fld>
             <a:endParaRPr lang="hu-HU"/>
           </a:p>
@@ -761,7 +768,7 @@
           <a:p>
             <a:fld id="{7471F2F6-8F06-4ABD-BBEE-44C3FB83A502}" type="datetimeFigureOut">
               <a:rPr lang="hu-HU" smtClean="0"/>
-              <a:t>2017. 06. 09.</a:t>
+              <a:t>2017. 06. 14.</a:t>
             </a:fld>
             <a:endParaRPr lang="hu-HU"/>
           </a:p>
@@ -1007,7 +1014,7 @@
           <a:p>
             <a:fld id="{7471F2F6-8F06-4ABD-BBEE-44C3FB83A502}" type="datetimeFigureOut">
               <a:rPr lang="hu-HU" smtClean="0"/>
-              <a:t>2017. 06. 09.</a:t>
+              <a:t>2017. 06. 14.</a:t>
             </a:fld>
             <a:endParaRPr lang="hu-HU"/>
           </a:p>
@@ -1239,7 +1246,7 @@
           <a:p>
             <a:fld id="{7471F2F6-8F06-4ABD-BBEE-44C3FB83A502}" type="datetimeFigureOut">
               <a:rPr lang="hu-HU" smtClean="0"/>
-              <a:t>2017. 06. 09.</a:t>
+              <a:t>2017. 06. 14.</a:t>
             </a:fld>
             <a:endParaRPr lang="hu-HU"/>
           </a:p>
@@ -1606,7 +1613,7 @@
           <a:p>
             <a:fld id="{7471F2F6-8F06-4ABD-BBEE-44C3FB83A502}" type="datetimeFigureOut">
               <a:rPr lang="hu-HU" smtClean="0"/>
-              <a:t>2017. 06. 09.</a:t>
+              <a:t>2017. 06. 14.</a:t>
             </a:fld>
             <a:endParaRPr lang="hu-HU"/>
           </a:p>
@@ -1724,7 +1731,7 @@
           <a:p>
             <a:fld id="{7471F2F6-8F06-4ABD-BBEE-44C3FB83A502}" type="datetimeFigureOut">
               <a:rPr lang="hu-HU" smtClean="0"/>
-              <a:t>2017. 06. 09.</a:t>
+              <a:t>2017. 06. 14.</a:t>
             </a:fld>
             <a:endParaRPr lang="hu-HU"/>
           </a:p>
@@ -1819,7 +1826,7 @@
           <a:p>
             <a:fld id="{7471F2F6-8F06-4ABD-BBEE-44C3FB83A502}" type="datetimeFigureOut">
               <a:rPr lang="hu-HU" smtClean="0"/>
-              <a:t>2017. 06. 09.</a:t>
+              <a:t>2017. 06. 14.</a:t>
             </a:fld>
             <a:endParaRPr lang="hu-HU"/>
           </a:p>
@@ -2096,7 +2103,7 @@
           <a:p>
             <a:fld id="{7471F2F6-8F06-4ABD-BBEE-44C3FB83A502}" type="datetimeFigureOut">
               <a:rPr lang="hu-HU" smtClean="0"/>
-              <a:t>2017. 06. 09.</a:t>
+              <a:t>2017. 06. 14.</a:t>
             </a:fld>
             <a:endParaRPr lang="hu-HU"/>
           </a:p>
@@ -2349,7 +2356,7 @@
           <a:p>
             <a:fld id="{7471F2F6-8F06-4ABD-BBEE-44C3FB83A502}" type="datetimeFigureOut">
               <a:rPr lang="hu-HU" smtClean="0"/>
-              <a:t>2017. 06. 09.</a:t>
+              <a:t>2017. 06. 14.</a:t>
             </a:fld>
             <a:endParaRPr lang="hu-HU"/>
           </a:p>
@@ -2562,7 +2569,7 @@
           <a:p>
             <a:fld id="{7471F2F6-8F06-4ABD-BBEE-44C3FB83A502}" type="datetimeFigureOut">
               <a:rPr lang="hu-HU" smtClean="0"/>
-              <a:t>2017. 06. 09.</a:t>
+              <a:t>2017. 06. 14.</a:t>
             </a:fld>
             <a:endParaRPr lang="hu-HU"/>
           </a:p>
@@ -3081,6 +3088,84 @@
           <a:chExt cx="0" cy="0"/>
         </a:xfrm>
       </p:grpSpPr>
+      <p:pic>
+        <p:nvPicPr>
+          <p:cNvPr id="2050" name="Picture 2" descr="http://www.gdsinstruments.com/__assets__/WebPages/00226/temperature-controlled.jpg"/>
+          <p:cNvPicPr>
+            <a:picLocks noChangeAspect="1" noChangeArrowheads="1"/>
+          </p:cNvPicPr>
+          <p:nvPr/>
+        </p:nvPicPr>
+        <p:blipFill>
+          <a:blip r:embed="rId2" cstate="print">
+            <a:extLst>
+              <a:ext uri="{28A0092B-C50C-407E-A947-70E740481C1C}">
+                <a14:useLocalDpi xmlns:a14="http://schemas.microsoft.com/office/drawing/2010/main" val="0"/>
+              </a:ext>
+            </a:extLst>
+          </a:blip>
+          <a:srcRect/>
+          <a:stretch>
+            <a:fillRect/>
+          </a:stretch>
+        </p:blipFill>
+        <p:spPr bwMode="auto">
+          <a:xfrm>
+            <a:off x="2666999" y="0"/>
+            <a:ext cx="6819901" cy="6819901"/>
+          </a:xfrm>
+          <a:prstGeom prst="rect">
+            <a:avLst/>
+          </a:prstGeom>
+          <a:noFill/>
+          <a:extLst>
+            <a:ext uri="{909E8E84-426E-40DD-AFC4-6F175D3DCCD1}">
+              <a14:hiddenFill xmlns:a14="http://schemas.microsoft.com/office/drawing/2010/main">
+                <a:solidFill>
+                  <a:srgbClr val="FFFFFF"/>
+                </a:solidFill>
+              </a14:hiddenFill>
+            </a:ext>
+          </a:extLst>
+        </p:spPr>
+      </p:pic>
+    </p:spTree>
+    <p:extLst>
+      <p:ext uri="{BB962C8B-B14F-4D97-AF65-F5344CB8AC3E}">
+        <p14:creationId xmlns:p14="http://schemas.microsoft.com/office/powerpoint/2010/main" val="1668005820"/>
+      </p:ext>
+    </p:extLst>
+  </p:cSld>
+  <p:clrMapOvr>
+    <a:masterClrMapping/>
+  </p:clrMapOvr>
+  <p:timing>
+    <p:tnLst>
+      <p:par>
+        <p:cTn id="1" dur="indefinite" restart="never" nodeType="tmRoot"/>
+      </p:par>
+    </p:tnLst>
+  </p:timing>
+</p:sld>
+</file>
+
+<file path=ppt/slides/slide3.xml><?xml version="1.0" encoding="utf-8"?>
+<p:sld xmlns:a="http://schemas.openxmlformats.org/drawingml/2006/main" xmlns:r="http://schemas.openxmlformats.org/officeDocument/2006/relationships" xmlns:p="http://schemas.openxmlformats.org/presentationml/2006/main">
+  <p:cSld>
+    <p:spTree>
+      <p:nvGrpSpPr>
+        <p:cNvPr id="1" name=""/>
+        <p:cNvGrpSpPr/>
+        <p:nvPr/>
+      </p:nvGrpSpPr>
+      <p:grpSpPr>
+        <a:xfrm>
+          <a:off x="0" y="0"/>
+          <a:ext cx="0" cy="0"/>
+          <a:chOff x="0" y="0"/>
+          <a:chExt cx="0" cy="0"/>
+        </a:xfrm>
+      </p:grpSpPr>
       <p:sp>
         <p:nvSpPr>
           <p:cNvPr id="2" name="Cím 1"/>
@@ -3196,7 +3281,7 @@
 </p:sld>
 </file>
 
-<file path=ppt/slides/slide3.xml><?xml version="1.0" encoding="utf-8"?>
+<file path=ppt/slides/slide4.xml><?xml version="1.0" encoding="utf-8"?>
 <p:sld xmlns:a="http://schemas.openxmlformats.org/drawingml/2006/main" xmlns:r="http://schemas.openxmlformats.org/officeDocument/2006/relationships" xmlns:p="http://schemas.openxmlformats.org/presentationml/2006/main">
   <p:cSld>
     <p:spTree>
@@ -3870,7 +3955,7 @@
 </p:sld>
 </file>
 
-<file path=ppt/slides/slide4.xml><?xml version="1.0" encoding="utf-8"?>
+<file path=ppt/slides/slide5.xml><?xml version="1.0" encoding="utf-8"?>
 <p:sld xmlns:a="http://schemas.openxmlformats.org/drawingml/2006/main" xmlns:r="http://schemas.openxmlformats.org/officeDocument/2006/relationships" xmlns:p="http://schemas.openxmlformats.org/presentationml/2006/main">
   <p:cSld>
     <p:spTree>
@@ -4027,6 +4112,139 @@
   <p:clrMapOvr>
     <a:masterClrMapping/>
   </p:clrMapOvr>
+  <p:timing>
+    <p:tnLst>
+      <p:par>
+        <p:cTn id="1" dur="indefinite" restart="never" nodeType="tmRoot"/>
+      </p:par>
+    </p:tnLst>
+  </p:timing>
+</p:sld>
+</file>
+
+<file path=ppt/slides/slide6.xml><?xml version="1.0" encoding="utf-8"?>
+<p:sld xmlns:a="http://schemas.openxmlformats.org/drawingml/2006/main" xmlns:r="http://schemas.openxmlformats.org/officeDocument/2006/relationships" xmlns:p="http://schemas.openxmlformats.org/presentationml/2006/main">
+  <p:cSld>
+    <p:spTree>
+      <p:nvGrpSpPr>
+        <p:cNvPr id="1" name=""/>
+        <p:cNvGrpSpPr/>
+        <p:nvPr/>
+      </p:nvGrpSpPr>
+      <p:grpSpPr>
+        <a:xfrm>
+          <a:off x="0" y="0"/>
+          <a:ext cx="0" cy="0"/>
+          <a:chOff x="0" y="0"/>
+          <a:chExt cx="0" cy="0"/>
+        </a:xfrm>
+      </p:grpSpPr>
+      <p:sp>
+        <p:nvSpPr>
+          <p:cNvPr id="2" name="Cím 1"/>
+          <p:cNvSpPr>
+            <a:spLocks noGrp="1"/>
+          </p:cNvSpPr>
+          <p:nvPr>
+            <p:ph type="title"/>
+          </p:nvPr>
+        </p:nvSpPr>
+        <p:spPr>
+          <a:xfrm>
+            <a:off x="2692750" y="-48457"/>
+            <a:ext cx="8116614" cy="1325563"/>
+          </a:xfrm>
+        </p:spPr>
+        <p:txBody>
+          <a:bodyPr/>
+          <a:lstStyle/>
+          <a:p>
+            <a:r>
+              <a:rPr lang="hu-HU" dirty="0" err="1" smtClean="0"/>
+              <a:t>Demonstrate</a:t>
+            </a:r>
+            <a:r>
+              <a:rPr lang="hu-HU" dirty="0" smtClean="0"/>
+              <a:t> </a:t>
+            </a:r>
+            <a:r>
+              <a:rPr lang="hu-HU" dirty="0" err="1" smtClean="0"/>
+              <a:t>how</a:t>
+            </a:r>
+            <a:r>
+              <a:rPr lang="hu-HU" dirty="0" smtClean="0"/>
+              <a:t> it </a:t>
+            </a:r>
+            <a:r>
+              <a:rPr lang="hu-HU" dirty="0" err="1" smtClean="0"/>
+              <a:t>works</a:t>
+            </a:r>
+            <a:r>
+              <a:rPr lang="hu-HU" dirty="0" smtClean="0"/>
+              <a:t>.</a:t>
+            </a:r>
+            <a:endParaRPr lang="hu-HU" dirty="0"/>
+          </a:p>
+        </p:txBody>
+      </p:sp>
+      <p:pic>
+        <p:nvPicPr>
+          <p:cNvPr id="1026" name="Picture 2" descr="https://urbanjack.files.wordpress.com/2014/01/nerd.png"/>
+          <p:cNvPicPr>
+            <a:picLocks noChangeAspect="1" noChangeArrowheads="1"/>
+          </p:cNvPicPr>
+          <p:nvPr/>
+        </p:nvPicPr>
+        <p:blipFill>
+          <a:blip r:embed="rId2">
+            <a:extLst>
+              <a:ext uri="{28A0092B-C50C-407E-A947-70E740481C1C}">
+                <a14:useLocalDpi xmlns:a14="http://schemas.microsoft.com/office/drawing/2010/main" val="0"/>
+              </a:ext>
+            </a:extLst>
+          </a:blip>
+          <a:srcRect/>
+          <a:stretch>
+            <a:fillRect/>
+          </a:stretch>
+        </p:blipFill>
+        <p:spPr bwMode="auto">
+          <a:xfrm>
+            <a:off x="0" y="1277106"/>
+            <a:ext cx="12192000" cy="5214108"/>
+          </a:xfrm>
+          <a:prstGeom prst="rect">
+            <a:avLst/>
+          </a:prstGeom>
+          <a:noFill/>
+          <a:extLst>
+            <a:ext uri="{909E8E84-426E-40DD-AFC4-6F175D3DCCD1}">
+              <a14:hiddenFill xmlns:a14="http://schemas.microsoft.com/office/drawing/2010/main">
+                <a:solidFill>
+                  <a:srgbClr val="FFFFFF"/>
+                </a:solidFill>
+              </a14:hiddenFill>
+            </a:ext>
+          </a:extLst>
+        </p:spPr>
+      </p:pic>
+    </p:spTree>
+    <p:extLst>
+      <p:ext uri="{BB962C8B-B14F-4D97-AF65-F5344CB8AC3E}">
+        <p14:creationId xmlns:p14="http://schemas.microsoft.com/office/powerpoint/2010/main" val="3281133604"/>
+      </p:ext>
+    </p:extLst>
+  </p:cSld>
+  <p:clrMapOvr>
+    <a:masterClrMapping/>
+  </p:clrMapOvr>
+  <p:timing>
+    <p:tnLst>
+      <p:par>
+        <p:cTn id="1" dur="indefinite" restart="never" nodeType="tmRoot"/>
+      </p:par>
+    </p:tnLst>
+  </p:timing>
 </p:sld>
 </file>
 
